--- a/Wireframes_ver1.2.pptx
+++ b/Wireframes_ver1.2.pptx
@@ -10,18 +10,21 @@
     <p:sldId id="258" r:id="rId4"/>
     <p:sldId id="259" r:id="rId5"/>
     <p:sldId id="261" r:id="rId6"/>
-    <p:sldId id="264" r:id="rId7"/>
-    <p:sldId id="272" r:id="rId8"/>
-    <p:sldId id="270" r:id="rId9"/>
-    <p:sldId id="271" r:id="rId10"/>
-    <p:sldId id="260" r:id="rId11"/>
-    <p:sldId id="269" r:id="rId12"/>
-    <p:sldId id="262" r:id="rId13"/>
-    <p:sldId id="265" r:id="rId14"/>
-    <p:sldId id="263" r:id="rId15"/>
-    <p:sldId id="266" r:id="rId16"/>
-    <p:sldId id="268" r:id="rId17"/>
-    <p:sldId id="267" r:id="rId18"/>
+    <p:sldId id="275" r:id="rId7"/>
+    <p:sldId id="264" r:id="rId8"/>
+    <p:sldId id="272" r:id="rId9"/>
+    <p:sldId id="274" r:id="rId10"/>
+    <p:sldId id="270" r:id="rId11"/>
+    <p:sldId id="271" r:id="rId12"/>
+    <p:sldId id="260" r:id="rId13"/>
+    <p:sldId id="269" r:id="rId14"/>
+    <p:sldId id="262" r:id="rId15"/>
+    <p:sldId id="265" r:id="rId16"/>
+    <p:sldId id="263" r:id="rId17"/>
+    <p:sldId id="266" r:id="rId18"/>
+    <p:sldId id="268" r:id="rId19"/>
+    <p:sldId id="267" r:id="rId20"/>
+    <p:sldId id="273" r:id="rId21"/>
   </p:sldIdLst>
   <p:sldSz cx="12192000" cy="6858000"/>
   <p:notesSz cx="6858000" cy="9144000"/>
@@ -138,6 +141,7 @@
         <p14:section name="Movie page" id="{1D3689C4-4ACC-4F0D-8F70-8972B04F7E5A}">
           <p14:sldIdLst>
             <p14:sldId id="261"/>
+            <p14:sldId id="275"/>
           </p14:sldIdLst>
         </p14:section>
         <p14:section name="BuyTicket Page" id="{3C5CC82D-1562-4416-9588-94D6B9E1C5AE}">
@@ -148,6 +152,7 @@
         <p14:section name="Seating page" id="{D28510F9-908D-456C-B1C0-75AFAE83004D}">
           <p14:sldIdLst>
             <p14:sldId id="272"/>
+            <p14:sldId id="274"/>
           </p14:sldIdLst>
         </p14:section>
         <p14:section name="Payment successful" id="{99912C75-BEE6-420A-A075-0569EDD40B4D}">
@@ -194,6 +199,7 @@
         <p14:section name="Register page" id="{FC2645C1-6D17-498D-B39C-E4BEF2CE3F90}">
           <p14:sldIdLst>
             <p14:sldId id="267"/>
+            <p14:sldId id="273"/>
           </p14:sldIdLst>
         </p14:section>
       </p14:sectionLst>
@@ -336,7 +342,7 @@
           <a:p>
             <a:fld id="{67540B97-8229-47F5-850E-FA89594FD22D}" type="datetimeFigureOut">
               <a:rPr lang="en-SG" smtClean="0"/>
-              <a:t>12/9/2022</a:t>
+              <a:t>13/9/2022</a:t>
             </a:fld>
             <a:endParaRPr lang="en-SG"/>
           </a:p>
@@ -506,7 +512,7 @@
           <a:p>
             <a:fld id="{67540B97-8229-47F5-850E-FA89594FD22D}" type="datetimeFigureOut">
               <a:rPr lang="en-SG" smtClean="0"/>
-              <a:t>12/9/2022</a:t>
+              <a:t>13/9/2022</a:t>
             </a:fld>
             <a:endParaRPr lang="en-SG"/>
           </a:p>
@@ -686,7 +692,7 @@
           <a:p>
             <a:fld id="{67540B97-8229-47F5-850E-FA89594FD22D}" type="datetimeFigureOut">
               <a:rPr lang="en-SG" smtClean="0"/>
-              <a:t>12/9/2022</a:t>
+              <a:t>13/9/2022</a:t>
             </a:fld>
             <a:endParaRPr lang="en-SG"/>
           </a:p>
@@ -856,7 +862,7 @@
           <a:p>
             <a:fld id="{67540B97-8229-47F5-850E-FA89594FD22D}" type="datetimeFigureOut">
               <a:rPr lang="en-SG" smtClean="0"/>
-              <a:t>12/9/2022</a:t>
+              <a:t>13/9/2022</a:t>
             </a:fld>
             <a:endParaRPr lang="en-SG"/>
           </a:p>
@@ -1102,7 +1108,7 @@
           <a:p>
             <a:fld id="{67540B97-8229-47F5-850E-FA89594FD22D}" type="datetimeFigureOut">
               <a:rPr lang="en-SG" smtClean="0"/>
-              <a:t>12/9/2022</a:t>
+              <a:t>13/9/2022</a:t>
             </a:fld>
             <a:endParaRPr lang="en-SG"/>
           </a:p>
@@ -1334,7 +1340,7 @@
           <a:p>
             <a:fld id="{67540B97-8229-47F5-850E-FA89594FD22D}" type="datetimeFigureOut">
               <a:rPr lang="en-SG" smtClean="0"/>
-              <a:t>12/9/2022</a:t>
+              <a:t>13/9/2022</a:t>
             </a:fld>
             <a:endParaRPr lang="en-SG"/>
           </a:p>
@@ -1701,7 +1707,7 @@
           <a:p>
             <a:fld id="{67540B97-8229-47F5-850E-FA89594FD22D}" type="datetimeFigureOut">
               <a:rPr lang="en-SG" smtClean="0"/>
-              <a:t>12/9/2022</a:t>
+              <a:t>13/9/2022</a:t>
             </a:fld>
             <a:endParaRPr lang="en-SG"/>
           </a:p>
@@ -1819,7 +1825,7 @@
           <a:p>
             <a:fld id="{67540B97-8229-47F5-850E-FA89594FD22D}" type="datetimeFigureOut">
               <a:rPr lang="en-SG" smtClean="0"/>
-              <a:t>12/9/2022</a:t>
+              <a:t>13/9/2022</a:t>
             </a:fld>
             <a:endParaRPr lang="en-SG"/>
           </a:p>
@@ -1914,7 +1920,7 @@
           <a:p>
             <a:fld id="{67540B97-8229-47F5-850E-FA89594FD22D}" type="datetimeFigureOut">
               <a:rPr lang="en-SG" smtClean="0"/>
-              <a:t>12/9/2022</a:t>
+              <a:t>13/9/2022</a:t>
             </a:fld>
             <a:endParaRPr lang="en-SG"/>
           </a:p>
@@ -2191,7 +2197,7 @@
           <a:p>
             <a:fld id="{67540B97-8229-47F5-850E-FA89594FD22D}" type="datetimeFigureOut">
               <a:rPr lang="en-SG" smtClean="0"/>
-              <a:t>12/9/2022</a:t>
+              <a:t>13/9/2022</a:t>
             </a:fld>
             <a:endParaRPr lang="en-SG"/>
           </a:p>
@@ -2444,7 +2450,7 @@
           <a:p>
             <a:fld id="{67540B97-8229-47F5-850E-FA89594FD22D}" type="datetimeFigureOut">
               <a:rPr lang="en-SG" smtClean="0"/>
-              <a:t>12/9/2022</a:t>
+              <a:t>13/9/2022</a:t>
             </a:fld>
             <a:endParaRPr lang="en-SG"/>
           </a:p>
@@ -2657,7 +2663,7 @@
           <a:p>
             <a:fld id="{67540B97-8229-47F5-850E-FA89594FD22D}" type="datetimeFigureOut">
               <a:rPr lang="en-SG" smtClean="0"/>
-              <a:t>12/9/2022</a:t>
+              <a:t>13/9/2022</a:t>
             </a:fld>
             <a:endParaRPr lang="en-SG"/>
           </a:p>
@@ -3184,8 +3190,8 @@
         </p:blipFill>
         <p:spPr>
           <a:xfrm>
-            <a:off x="3642379" y="0"/>
-            <a:ext cx="4907241" cy="6858000"/>
+            <a:off x="3547009" y="0"/>
+            <a:ext cx="5097982" cy="6858000"/>
           </a:xfrm>
           <a:prstGeom prst="rect">
             <a:avLst/>
@@ -3195,7 +3201,7 @@
     </p:spTree>
     <p:extLst>
       <p:ext uri="{BB962C8B-B14F-4D97-AF65-F5344CB8AC3E}">
-        <p14:creationId xmlns:p14="http://schemas.microsoft.com/office/powerpoint/2010/main" val="3296735497"/>
+        <p14:creationId xmlns:p14="http://schemas.microsoft.com/office/powerpoint/2010/main" val="2038637690"/>
       </p:ext>
     </p:extLst>
   </p:cSld>
@@ -3256,6 +3262,190 @@
           <a:bodyPr/>
           <a:lstStyle/>
           <a:p>
+            <a:endParaRPr lang="en-SG" dirty="0"/>
+          </a:p>
+        </p:txBody>
+      </p:sp>
+      <p:pic>
+        <p:nvPicPr>
+          <p:cNvPr id="5" name="Picture 4"/>
+          <p:cNvPicPr>
+            <a:picLocks noChangeAspect="1"/>
+          </p:cNvPicPr>
+          <p:nvPr/>
+        </p:nvPicPr>
+        <p:blipFill>
+          <a:blip r:embed="rId2"/>
+          <a:stretch>
+            <a:fillRect/>
+          </a:stretch>
+        </p:blipFill>
+        <p:spPr>
+          <a:xfrm>
+            <a:off x="3824287" y="209550"/>
+            <a:ext cx="4543425" cy="6438900"/>
+          </a:xfrm>
+          <a:prstGeom prst="rect">
+            <a:avLst/>
+          </a:prstGeom>
+        </p:spPr>
+      </p:pic>
+    </p:spTree>
+    <p:extLst>
+      <p:ext uri="{BB962C8B-B14F-4D97-AF65-F5344CB8AC3E}">
+        <p14:creationId xmlns:p14="http://schemas.microsoft.com/office/powerpoint/2010/main" val="1947978822"/>
+      </p:ext>
+    </p:extLst>
+  </p:cSld>
+  <p:clrMapOvr>
+    <a:masterClrMapping/>
+  </p:clrMapOvr>
+</p:sld>
+</file>
+
+<file path=ppt/slides/slide12.xml><?xml version="1.0" encoding="utf-8"?>
+<p:sld xmlns:a="http://schemas.openxmlformats.org/drawingml/2006/main" xmlns:r="http://schemas.openxmlformats.org/officeDocument/2006/relationships" xmlns:p="http://schemas.openxmlformats.org/presentationml/2006/main">
+  <p:cSld>
+    <p:spTree>
+      <p:nvGrpSpPr>
+        <p:cNvPr id="1" name=""/>
+        <p:cNvGrpSpPr/>
+        <p:nvPr/>
+      </p:nvGrpSpPr>
+      <p:grpSpPr>
+        <a:xfrm>
+          <a:off x="0" y="0"/>
+          <a:ext cx="0" cy="0"/>
+          <a:chOff x="0" y="0"/>
+          <a:chExt cx="0" cy="0"/>
+        </a:xfrm>
+      </p:grpSpPr>
+      <p:sp>
+        <p:nvSpPr>
+          <p:cNvPr id="2" name="Title 1"/>
+          <p:cNvSpPr>
+            <a:spLocks noGrp="1"/>
+          </p:cNvSpPr>
+          <p:nvPr>
+            <p:ph type="title"/>
+          </p:nvPr>
+        </p:nvSpPr>
+        <p:spPr/>
+        <p:txBody>
+          <a:bodyPr/>
+          <a:lstStyle/>
+          <a:p>
+            <a:endParaRPr lang="en-SG"/>
+          </a:p>
+        </p:txBody>
+      </p:sp>
+      <p:sp>
+        <p:nvSpPr>
+          <p:cNvPr id="3" name="Content Placeholder 2"/>
+          <p:cNvSpPr>
+            <a:spLocks noGrp="1"/>
+          </p:cNvSpPr>
+          <p:nvPr>
+            <p:ph idx="1"/>
+          </p:nvPr>
+        </p:nvSpPr>
+        <p:spPr/>
+        <p:txBody>
+          <a:bodyPr/>
+          <a:lstStyle/>
+          <a:p>
+            <a:endParaRPr lang="en-SG"/>
+          </a:p>
+        </p:txBody>
+      </p:sp>
+      <p:pic>
+        <p:nvPicPr>
+          <p:cNvPr id="4" name="Picture 3"/>
+          <p:cNvPicPr>
+            <a:picLocks noChangeAspect="1"/>
+          </p:cNvPicPr>
+          <p:nvPr/>
+        </p:nvPicPr>
+        <p:blipFill>
+          <a:blip r:embed="rId2"/>
+          <a:stretch>
+            <a:fillRect/>
+          </a:stretch>
+        </p:blipFill>
+        <p:spPr>
+          <a:xfrm>
+            <a:off x="3642379" y="0"/>
+            <a:ext cx="4907241" cy="6858000"/>
+          </a:xfrm>
+          <a:prstGeom prst="rect">
+            <a:avLst/>
+          </a:prstGeom>
+        </p:spPr>
+      </p:pic>
+    </p:spTree>
+    <p:extLst>
+      <p:ext uri="{BB962C8B-B14F-4D97-AF65-F5344CB8AC3E}">
+        <p14:creationId xmlns:p14="http://schemas.microsoft.com/office/powerpoint/2010/main" val="3296735497"/>
+      </p:ext>
+    </p:extLst>
+  </p:cSld>
+  <p:clrMapOvr>
+    <a:masterClrMapping/>
+  </p:clrMapOvr>
+</p:sld>
+</file>
+
+<file path=ppt/slides/slide13.xml><?xml version="1.0" encoding="utf-8"?>
+<p:sld xmlns:a="http://schemas.openxmlformats.org/drawingml/2006/main" xmlns:r="http://schemas.openxmlformats.org/officeDocument/2006/relationships" xmlns:p="http://schemas.openxmlformats.org/presentationml/2006/main">
+  <p:cSld>
+    <p:spTree>
+      <p:nvGrpSpPr>
+        <p:cNvPr id="1" name=""/>
+        <p:cNvGrpSpPr/>
+        <p:nvPr/>
+      </p:nvGrpSpPr>
+      <p:grpSpPr>
+        <a:xfrm>
+          <a:off x="0" y="0"/>
+          <a:ext cx="0" cy="0"/>
+          <a:chOff x="0" y="0"/>
+          <a:chExt cx="0" cy="0"/>
+        </a:xfrm>
+      </p:grpSpPr>
+      <p:sp>
+        <p:nvSpPr>
+          <p:cNvPr id="2" name="Title 1"/>
+          <p:cNvSpPr>
+            <a:spLocks noGrp="1"/>
+          </p:cNvSpPr>
+          <p:nvPr>
+            <p:ph type="title"/>
+          </p:nvPr>
+        </p:nvSpPr>
+        <p:spPr/>
+        <p:txBody>
+          <a:bodyPr/>
+          <a:lstStyle/>
+          <a:p>
+            <a:endParaRPr lang="en-SG"/>
+          </a:p>
+        </p:txBody>
+      </p:sp>
+      <p:sp>
+        <p:nvSpPr>
+          <p:cNvPr id="3" name="Content Placeholder 2"/>
+          <p:cNvSpPr>
+            <a:spLocks noGrp="1"/>
+          </p:cNvSpPr>
+          <p:nvPr>
+            <p:ph idx="1"/>
+          </p:nvPr>
+        </p:nvSpPr>
+        <p:spPr/>
+        <p:txBody>
+          <a:bodyPr/>
+          <a:lstStyle/>
+          <a:p>
             <a:endParaRPr lang="en-SG"/>
           </a:p>
         </p:txBody>
@@ -3273,7 +3463,7 @@
 </p:sld>
 </file>
 
-<file path=ppt/slides/slide12.xml><?xml version="1.0" encoding="utf-8"?>
+<file path=ppt/slides/slide14.xml><?xml version="1.0" encoding="utf-8"?>
 <p:sld xmlns:a="http://schemas.openxmlformats.org/drawingml/2006/main" xmlns:r="http://schemas.openxmlformats.org/officeDocument/2006/relationships" xmlns:p="http://schemas.openxmlformats.org/presentationml/2006/main">
   <p:cSld>
     <p:spTree>
@@ -3365,7 +3555,7 @@
 </p:sld>
 </file>
 
-<file path=ppt/slides/slide13.xml><?xml version="1.0" encoding="utf-8"?>
+<file path=ppt/slides/slide15.xml><?xml version="1.0" encoding="utf-8"?>
 <p:sld xmlns:a="http://schemas.openxmlformats.org/drawingml/2006/main" xmlns:r="http://schemas.openxmlformats.org/officeDocument/2006/relationships" xmlns:p="http://schemas.openxmlformats.org/presentationml/2006/main">
   <p:cSld>
     <p:spTree>
@@ -3456,7 +3646,7 @@
 </p:sld>
 </file>
 
-<file path=ppt/slides/slide14.xml><?xml version="1.0" encoding="utf-8"?>
+<file path=ppt/slides/slide16.xml><?xml version="1.0" encoding="utf-8"?>
 <p:sld xmlns:a="http://schemas.openxmlformats.org/drawingml/2006/main" xmlns:r="http://schemas.openxmlformats.org/officeDocument/2006/relationships" xmlns:p="http://schemas.openxmlformats.org/presentationml/2006/main">
   <p:cSld>
     <p:spTree>
@@ -3548,7 +3738,7 @@
 </p:sld>
 </file>
 
-<file path=ppt/slides/slide15.xml><?xml version="1.0" encoding="utf-8"?>
+<file path=ppt/slides/slide17.xml><?xml version="1.0" encoding="utf-8"?>
 <p:sld xmlns:a="http://schemas.openxmlformats.org/drawingml/2006/main" xmlns:r="http://schemas.openxmlformats.org/officeDocument/2006/relationships" xmlns:p="http://schemas.openxmlformats.org/presentationml/2006/main">
   <p:cSld>
     <p:spTree>
@@ -3602,7 +3792,7 @@
 </p:sld>
 </file>
 
-<file path=ppt/slides/slide16.xml><?xml version="1.0" encoding="utf-8"?>
+<file path=ppt/slides/slide18.xml><?xml version="1.0" encoding="utf-8"?>
 <p:sld xmlns:a="http://schemas.openxmlformats.org/drawingml/2006/main" xmlns:r="http://schemas.openxmlformats.org/officeDocument/2006/relationships" xmlns:p="http://schemas.openxmlformats.org/presentationml/2006/main">
   <p:cSld>
     <p:spTree>
@@ -3682,7 +3872,7 @@
 </p:sld>
 </file>
 
-<file path=ppt/slides/slide17.xml><?xml version="1.0" encoding="utf-8"?>
+<file path=ppt/slides/slide19.xml><?xml version="1.0" encoding="utf-8"?>
 <p:sld xmlns:a="http://schemas.openxmlformats.org/drawingml/2006/main" xmlns:r="http://schemas.openxmlformats.org/officeDocument/2006/relationships" xmlns:p="http://schemas.openxmlformats.org/presentationml/2006/main">
   <p:cSld>
     <p:spTree>
@@ -3733,10 +3923,34 @@
           <a:bodyPr/>
           <a:lstStyle/>
           <a:p>
-            <a:endParaRPr lang="en-SG"/>
-          </a:p>
-        </p:txBody>
-      </p:sp>
+            <a:endParaRPr lang="en-SG" dirty="0"/>
+          </a:p>
+        </p:txBody>
+      </p:sp>
+      <p:pic>
+        <p:nvPicPr>
+          <p:cNvPr id="4" name="Picture 3"/>
+          <p:cNvPicPr>
+            <a:picLocks noChangeAspect="1"/>
+          </p:cNvPicPr>
+          <p:nvPr/>
+        </p:nvPicPr>
+        <p:blipFill>
+          <a:blip r:embed="rId2"/>
+          <a:stretch>
+            <a:fillRect/>
+          </a:stretch>
+        </p:blipFill>
+        <p:spPr>
+          <a:xfrm>
+            <a:off x="5822856" y="264459"/>
+            <a:ext cx="4867275" cy="6400800"/>
+          </a:xfrm>
+          <a:prstGeom prst="rect">
+            <a:avLst/>
+          </a:prstGeom>
+        </p:spPr>
+      </p:pic>
     </p:spTree>
     <p:extLst>
       <p:ext uri="{BB962C8B-B14F-4D97-AF65-F5344CB8AC3E}">
@@ -3917,7 +4131,7 @@
           <a:p>
             <a:r>
               <a:rPr lang="en-SG" b="1" dirty="0" smtClean="0"/>
-              <a:t>Member page</a:t>
+              <a:t>Member page (optional)</a:t>
             </a:r>
             <a:endParaRPr lang="en-SG" dirty="0"/>
           </a:p>
@@ -4120,10 +4334,135 @@
           </a:p>
         </p:txBody>
       </p:sp>
+      <p:sp>
+        <p:nvSpPr>
+          <p:cNvPr id="5" name="TextBox 4">
+            <a:extLst>
+              <a:ext uri="{FF2B5EF4-FFF2-40B4-BE49-F238E27FC236}">
+                <a16:creationId xmlns="" xmlns:a16="http://schemas.microsoft.com/office/drawing/2014/main" id="{D02FD397-3D15-42A0-B6AF-F1CC9F0746A5}"/>
+              </a:ext>
+            </a:extLst>
+          </p:cNvPr>
+          <p:cNvSpPr txBox="1"/>
+          <p:nvPr/>
+        </p:nvSpPr>
+        <p:spPr>
+          <a:xfrm>
+            <a:off x="9009119" y="540727"/>
+            <a:ext cx="1398906" cy="369332"/>
+          </a:xfrm>
+          <a:prstGeom prst="rect">
+            <a:avLst/>
+          </a:prstGeom>
+          <a:noFill/>
+          <a:ln>
+            <a:solidFill>
+              <a:schemeClr val="tx1"/>
+            </a:solidFill>
+          </a:ln>
+        </p:spPr>
+        <p:txBody>
+          <a:bodyPr wrap="square" rtlCol="0">
+            <a:spAutoFit/>
+          </a:bodyPr>
+          <a:lstStyle/>
+          <a:p>
+            <a:r>
+              <a:rPr lang="en-US" dirty="0"/>
+              <a:t>Logo</a:t>
+            </a:r>
+            <a:endParaRPr lang="en-SG" dirty="0"/>
+          </a:p>
+        </p:txBody>
+      </p:sp>
     </p:spTree>
     <p:extLst>
       <p:ext uri="{BB962C8B-B14F-4D97-AF65-F5344CB8AC3E}">
         <p14:creationId xmlns:p14="http://schemas.microsoft.com/office/powerpoint/2010/main" val="473572680"/>
+      </p:ext>
+    </p:extLst>
+  </p:cSld>
+  <p:clrMapOvr>
+    <a:masterClrMapping/>
+  </p:clrMapOvr>
+</p:sld>
+</file>
+
+<file path=ppt/slides/slide20.xml><?xml version="1.0" encoding="utf-8"?>
+<p:sld xmlns:a="http://schemas.openxmlformats.org/drawingml/2006/main" xmlns:r="http://schemas.openxmlformats.org/officeDocument/2006/relationships" xmlns:p="http://schemas.openxmlformats.org/presentationml/2006/main">
+  <p:cSld>
+    <p:spTree>
+      <p:nvGrpSpPr>
+        <p:cNvPr id="1" name=""/>
+        <p:cNvGrpSpPr/>
+        <p:nvPr/>
+      </p:nvGrpSpPr>
+      <p:grpSpPr>
+        <a:xfrm>
+          <a:off x="0" y="0"/>
+          <a:ext cx="0" cy="0"/>
+          <a:chOff x="0" y="0"/>
+          <a:chExt cx="0" cy="0"/>
+        </a:xfrm>
+      </p:grpSpPr>
+      <p:sp>
+        <p:nvSpPr>
+          <p:cNvPr id="2" name="Title 1"/>
+          <p:cNvSpPr>
+            <a:spLocks noGrp="1"/>
+          </p:cNvSpPr>
+          <p:nvPr>
+            <p:ph type="title"/>
+          </p:nvPr>
+        </p:nvSpPr>
+        <p:spPr/>
+        <p:txBody>
+          <a:bodyPr/>
+          <a:lstStyle/>
+          <a:p>
+            <a:r>
+              <a:rPr lang="en-SG" dirty="0">
+                <a:solidFill>
+                  <a:srgbClr val="FF0000"/>
+                </a:solidFill>
+              </a:rPr>
+              <a:t>After </a:t>
+            </a:r>
+            <a:r>
+              <a:rPr lang="en-SG" dirty="0" smtClean="0">
+                <a:solidFill>
+                  <a:srgbClr val="FF0000"/>
+                </a:solidFill>
+              </a:rPr>
+              <a:t>register </a:t>
+            </a:r>
+            <a:endParaRPr lang="en-SG" dirty="0"/>
+          </a:p>
+        </p:txBody>
+      </p:sp>
+      <p:sp>
+        <p:nvSpPr>
+          <p:cNvPr id="3" name="Content Placeholder 2"/>
+          <p:cNvSpPr>
+            <a:spLocks noGrp="1"/>
+          </p:cNvSpPr>
+          <p:nvPr>
+            <p:ph idx="1"/>
+          </p:nvPr>
+        </p:nvSpPr>
+        <p:spPr/>
+        <p:txBody>
+          <a:bodyPr/>
+          <a:lstStyle/>
+          <a:p>
+            <a:endParaRPr lang="en-SG"/>
+          </a:p>
+        </p:txBody>
+      </p:sp>
+    </p:spTree>
+    <p:extLst>
+      <p:ext uri="{BB962C8B-B14F-4D97-AF65-F5344CB8AC3E}">
+        <p14:creationId xmlns:p14="http://schemas.microsoft.com/office/powerpoint/2010/main" val="3892958921"/>
       </p:ext>
     </p:extLst>
   </p:cSld>
@@ -4152,7 +4491,7 @@
       </p:grpSpPr>
       <p:pic>
         <p:nvPicPr>
-          <p:cNvPr id="4" name="Picture 3"/>
+          <p:cNvPr id="2" name="Picture 1"/>
           <p:cNvPicPr>
             <a:picLocks noChangeAspect="1"/>
           </p:cNvPicPr>
@@ -4166,8 +4505,8 @@
         </p:blipFill>
         <p:spPr>
           <a:xfrm>
-            <a:off x="3564552" y="0"/>
-            <a:ext cx="5062895" cy="6858000"/>
+            <a:off x="3541481" y="0"/>
+            <a:ext cx="5109038" cy="6858000"/>
           </a:xfrm>
           <a:prstGeom prst="rect">
             <a:avLst/>
@@ -4287,7 +4626,11 @@
           <a:bodyPr/>
           <a:lstStyle/>
           <a:p>
-            <a:endParaRPr lang="en-SG"/>
+            <a:r>
+              <a:rPr lang="en-SG" dirty="0" smtClean="0"/>
+              <a:t>When click now showing</a:t>
+            </a:r>
+            <a:endParaRPr lang="en-SG" dirty="0"/>
           </a:p>
         </p:txBody>
       </p:sp>
@@ -4306,10 +4649,34 @@
           <a:bodyPr/>
           <a:lstStyle/>
           <a:p>
-            <a:endParaRPr lang="en-SG"/>
-          </a:p>
-        </p:txBody>
-      </p:sp>
+            <a:endParaRPr lang="en-SG" dirty="0"/>
+          </a:p>
+        </p:txBody>
+      </p:sp>
+      <p:pic>
+        <p:nvPicPr>
+          <p:cNvPr id="4" name="Picture 3"/>
+          <p:cNvPicPr>
+            <a:picLocks noChangeAspect="1"/>
+          </p:cNvPicPr>
+          <p:nvPr/>
+        </p:nvPicPr>
+        <p:blipFill>
+          <a:blip r:embed="rId2"/>
+          <a:stretch>
+            <a:fillRect/>
+          </a:stretch>
+        </p:blipFill>
+        <p:spPr>
+          <a:xfrm>
+            <a:off x="7255809" y="167528"/>
+            <a:ext cx="4438650" cy="6343650"/>
+          </a:xfrm>
+          <a:prstGeom prst="rect">
+            <a:avLst/>
+          </a:prstGeom>
+        </p:spPr>
+      </p:pic>
     </p:spTree>
     <p:extLst>
       <p:ext uri="{BB962C8B-B14F-4D97-AF65-F5344CB8AC3E}">
@@ -4355,7 +4722,11 @@
           <a:bodyPr/>
           <a:lstStyle/>
           <a:p>
-            <a:endParaRPr lang="en-SG"/>
+            <a:r>
+              <a:rPr lang="en-SG" dirty="0" smtClean="0"/>
+              <a:t>When click coming soon</a:t>
+            </a:r>
+            <a:endParaRPr lang="en-SG" dirty="0"/>
           </a:p>
         </p:txBody>
       </p:sp>
@@ -4374,14 +4745,38 @@
           <a:bodyPr/>
           <a:lstStyle/>
           <a:p>
-            <a:endParaRPr lang="en-SG"/>
-          </a:p>
-        </p:txBody>
-      </p:sp>
+            <a:endParaRPr lang="en-SG" dirty="0"/>
+          </a:p>
+        </p:txBody>
+      </p:sp>
+      <p:pic>
+        <p:nvPicPr>
+          <p:cNvPr id="4" name="Picture 3"/>
+          <p:cNvPicPr>
+            <a:picLocks noChangeAspect="1"/>
+          </p:cNvPicPr>
+          <p:nvPr/>
+        </p:nvPicPr>
+        <p:blipFill>
+          <a:blip r:embed="rId2"/>
+          <a:stretch>
+            <a:fillRect/>
+          </a:stretch>
+        </p:blipFill>
+        <p:spPr>
+          <a:xfrm>
+            <a:off x="7227514" y="139514"/>
+            <a:ext cx="4657725" cy="6381750"/>
+          </a:xfrm>
+          <a:prstGeom prst="rect">
+            <a:avLst/>
+          </a:prstGeom>
+        </p:spPr>
+      </p:pic>
     </p:spTree>
     <p:extLst>
       <p:ext uri="{BB962C8B-B14F-4D97-AF65-F5344CB8AC3E}">
-        <p14:creationId xmlns:p14="http://schemas.microsoft.com/office/powerpoint/2010/main" val="1231095722"/>
+        <p14:creationId xmlns:p14="http://schemas.microsoft.com/office/powerpoint/2010/main" val="2356513482"/>
       </p:ext>
     </p:extLst>
   </p:cSld>
@@ -4449,7 +4844,7 @@
     </p:spTree>
     <p:extLst>
       <p:ext uri="{BB962C8B-B14F-4D97-AF65-F5344CB8AC3E}">
-        <p14:creationId xmlns:p14="http://schemas.microsoft.com/office/powerpoint/2010/main" val="698855879"/>
+        <p14:creationId xmlns:p14="http://schemas.microsoft.com/office/powerpoint/2010/main" val="1231095722"/>
       </p:ext>
     </p:extLst>
   </p:cSld>
@@ -4491,7 +4886,7 @@
           <a:bodyPr/>
           <a:lstStyle/>
           <a:p>
-            <a:endParaRPr lang="en-SG"/>
+            <a:endParaRPr lang="en-SG" dirty="0"/>
           </a:p>
         </p:txBody>
       </p:sp>
@@ -4510,38 +4905,23 @@
           <a:bodyPr/>
           <a:lstStyle/>
           <a:p>
-            <a:endParaRPr lang="en-SG"/>
-          </a:p>
-        </p:txBody>
-      </p:sp>
-      <p:pic>
-        <p:nvPicPr>
-          <p:cNvPr id="4" name="Picture 3"/>
-          <p:cNvPicPr>
-            <a:picLocks noChangeAspect="1"/>
-          </p:cNvPicPr>
-          <p:nvPr/>
-        </p:nvPicPr>
-        <p:blipFill>
-          <a:blip r:embed="rId2"/>
-          <a:stretch>
-            <a:fillRect/>
-          </a:stretch>
-        </p:blipFill>
-        <p:spPr>
-          <a:xfrm>
-            <a:off x="3547009" y="0"/>
-            <a:ext cx="5097982" cy="6858000"/>
-          </a:xfrm>
-          <a:prstGeom prst="rect">
-            <a:avLst/>
-          </a:prstGeom>
-        </p:spPr>
-      </p:pic>
+            <a:r>
+              <a:rPr lang="en-SG" dirty="0">
+                <a:hlinkClick r:id="rId2"/>
+              </a:rPr>
+              <a:t>https://www.sourcecodeexamples.net/2020/12/movie-seat-booking-project-with.html</a:t>
+            </a:r>
+            <a:endParaRPr lang="en-SG" dirty="0"/>
+          </a:p>
+          <a:p>
+            <a:endParaRPr lang="en-SG" dirty="0"/>
+          </a:p>
+        </p:txBody>
+      </p:sp>
     </p:spTree>
     <p:extLst>
       <p:ext uri="{BB962C8B-B14F-4D97-AF65-F5344CB8AC3E}">
-        <p14:creationId xmlns:p14="http://schemas.microsoft.com/office/powerpoint/2010/main" val="2038637690"/>
+        <p14:creationId xmlns:p14="http://schemas.microsoft.com/office/powerpoint/2010/main" val="698855879"/>
       </p:ext>
     </p:extLst>
   </p:cSld>
@@ -4622,8 +5002,8 @@
         </p:blipFill>
         <p:spPr>
           <a:xfrm>
-            <a:off x="3824287" y="209550"/>
-            <a:ext cx="4543425" cy="6438900"/>
+            <a:off x="3838575" y="209550"/>
+            <a:ext cx="4514850" cy="6438900"/>
           </a:xfrm>
           <a:prstGeom prst="rect">
             <a:avLst/>
@@ -4633,7 +5013,7 @@
     </p:spTree>
     <p:extLst>
       <p:ext uri="{BB962C8B-B14F-4D97-AF65-F5344CB8AC3E}">
-        <p14:creationId xmlns:p14="http://schemas.microsoft.com/office/powerpoint/2010/main" val="1947978822"/>
+        <p14:creationId xmlns:p14="http://schemas.microsoft.com/office/powerpoint/2010/main" val="74447191"/>
       </p:ext>
     </p:extLst>
   </p:cSld>
